--- a/output/time series & NLP.pptx
+++ b/output/time series & NLP.pptx
@@ -20,7 +20,7 @@
     <p:sldId id="280" r:id="rId11"/>
     <p:sldId id="277" r:id="rId12"/>
     <p:sldId id="283" r:id="rId13"/>
-    <p:sldId id="267" r:id="rId14"/>
+    <p:sldId id="284" r:id="rId14"/>
     <p:sldId id="269" r:id="rId15"/>
     <p:sldId id="263" r:id="rId16"/>
     <p:sldId id="282" r:id="rId17"/>
@@ -124,7 +124,7 @@
   </p:defaultTextStyle>
   <p:extLst>
     <p:ext uri="{EFAFB233-063F-42B5-8137-9DF3F51BA10A}">
-      <p15:sldGuideLst xmlns:p15="http://schemas.microsoft.com/office/powerpoint/2012/main" xmlns="">
+      <p15:sldGuideLst xmlns="" xmlns:p15="http://schemas.microsoft.com/office/powerpoint/2012/main">
         <p15:guide id="1" orient="horz" pos="2160">
           <p15:clr>
             <a:srgbClr val="A4A3A4"/>
@@ -13159,7 +13159,7 @@
           <a:p>
             <a:fld id="{260B791E-DEC7-C443-AA77-756E828B56BB}" type="datetimeFigureOut">
               <a:rPr kumimoji="1" lang="zh-CN" altLang="en-US" smtClean="0"/>
-              <a:t>4/27/17</a:t>
+              <a:t>4/28/17</a:t>
             </a:fld>
             <a:endParaRPr kumimoji="1" lang="zh-CN" altLang="en-US"/>
           </a:p>
@@ -14112,6 +14112,106 @@
 </file>
 
 <file path=ppt/notesSlides/notesSlide6.xml><?xml version="1.0" encoding="utf-8"?>
+<p:notes xmlns:a="http://schemas.openxmlformats.org/drawingml/2006/main" xmlns:r="http://schemas.openxmlformats.org/officeDocument/2006/relationships" xmlns:p="http://schemas.openxmlformats.org/presentationml/2006/main">
+  <p:cSld>
+    <p:spTree>
+      <p:nvGrpSpPr>
+        <p:cNvPr id="1" name=""/>
+        <p:cNvGrpSpPr/>
+        <p:nvPr/>
+      </p:nvGrpSpPr>
+      <p:grpSpPr>
+        <a:xfrm>
+          <a:off x="0" y="0"/>
+          <a:ext cx="0" cy="0"/>
+          <a:chOff x="0" y="0"/>
+          <a:chExt cx="0" cy="0"/>
+        </a:xfrm>
+      </p:grpSpPr>
+      <p:sp>
+        <p:nvSpPr>
+          <p:cNvPr id="2" name="幻灯片图像占位符 1"/>
+          <p:cNvSpPr>
+            <a:spLocks noGrp="1" noRot="1" noChangeAspect="1"/>
+          </p:cNvSpPr>
+          <p:nvPr>
+            <p:ph type="sldImg"/>
+          </p:nvPr>
+        </p:nvSpPr>
+        <p:spPr/>
+      </p:sp>
+      <p:sp>
+        <p:nvSpPr>
+          <p:cNvPr id="3" name="备注占位符 2"/>
+          <p:cNvSpPr>
+            <a:spLocks noGrp="1"/>
+          </p:cNvSpPr>
+          <p:nvPr>
+            <p:ph type="body" idx="1"/>
+          </p:nvPr>
+        </p:nvSpPr>
+        <p:spPr/>
+        <p:txBody>
+          <a:bodyPr/>
+          <a:lstStyle/>
+          <a:p>
+            <a:r>
+              <a:rPr kumimoji="1" lang="en-US" altLang="zh-CN" dirty="0" smtClean="0"/>
+              <a:t>http://</a:t>
+            </a:r>
+            <a:r>
+              <a:rPr kumimoji="1" lang="en-US" altLang="zh-CN" dirty="0" err="1" smtClean="0"/>
+              <a:t>www.investopedia.com</a:t>
+            </a:r>
+            <a:r>
+              <a:rPr kumimoji="1" lang="en-US" altLang="zh-CN" dirty="0" smtClean="0"/>
+              <a:t>/articles/active-trading/111313/how-trade-</a:t>
+            </a:r>
+            <a:r>
+              <a:rPr kumimoji="1" lang="en-US" altLang="zh-CN" dirty="0" err="1" smtClean="0"/>
+              <a:t>news.asp</a:t>
+            </a:r>
+            <a:endParaRPr kumimoji="1" lang="zh-CN" altLang="en-US" dirty="0"/>
+          </a:p>
+        </p:txBody>
+      </p:sp>
+      <p:sp>
+        <p:nvSpPr>
+          <p:cNvPr id="4" name="幻灯片编号占位符 3"/>
+          <p:cNvSpPr>
+            <a:spLocks noGrp="1"/>
+          </p:cNvSpPr>
+          <p:nvPr>
+            <p:ph type="sldNum" sz="quarter" idx="10"/>
+          </p:nvPr>
+        </p:nvSpPr>
+        <p:spPr/>
+        <p:txBody>
+          <a:bodyPr/>
+          <a:lstStyle/>
+          <a:p>
+            <a:fld id="{4E3E247F-EBB0-E448-9080-073DB31C860B}" type="slidenum">
+              <a:rPr kumimoji="1" lang="zh-CN" altLang="en-US" smtClean="0"/>
+              <a:t>12</a:t>
+            </a:fld>
+            <a:endParaRPr kumimoji="1" lang="zh-CN" altLang="en-US"/>
+          </a:p>
+        </p:txBody>
+      </p:sp>
+    </p:spTree>
+    <p:extLst>
+      <p:ext uri="{BB962C8B-B14F-4D97-AF65-F5344CB8AC3E}">
+        <p14:creationId xmlns:p14="http://schemas.microsoft.com/office/powerpoint/2010/main" val="2933250926"/>
+      </p:ext>
+    </p:extLst>
+  </p:cSld>
+  <p:clrMapOvr>
+    <a:masterClrMapping/>
+  </p:clrMapOvr>
+</p:notes>
+</file>
+
+<file path=ppt/notesSlides/notesSlide7.xml><?xml version="1.0" encoding="utf-8"?>
 <p:notes xmlns:a="http://schemas.openxmlformats.org/drawingml/2006/main" xmlns:r="http://schemas.openxmlformats.org/officeDocument/2006/relationships" xmlns:p="http://schemas.openxmlformats.org/presentationml/2006/main">
   <p:cSld>
     <p:spTree>
@@ -14987,7 +15087,7 @@
           <a:p>
             <a:fld id="{9C4B66C9-2F74-5140-8B5D-085DCC5782DB}" type="datetimeFigureOut">
               <a:rPr kumimoji="1" lang="zh-CN" altLang="en-US" smtClean="0"/>
-              <a:t>4/27/17</a:t>
+              <a:t>4/28/17</a:t>
             </a:fld>
             <a:endParaRPr kumimoji="1" lang="zh-CN" altLang="en-US"/>
           </a:p>
@@ -15157,7 +15257,7 @@
           <a:p>
             <a:fld id="{9C4B66C9-2F74-5140-8B5D-085DCC5782DB}" type="datetimeFigureOut">
               <a:rPr kumimoji="1" lang="zh-CN" altLang="en-US" smtClean="0"/>
-              <a:t>4/27/17</a:t>
+              <a:t>4/28/17</a:t>
             </a:fld>
             <a:endParaRPr kumimoji="1" lang="zh-CN" altLang="en-US"/>
           </a:p>
@@ -15403,7 +15503,7 @@
           <a:p>
             <a:fld id="{9C4B66C9-2F74-5140-8B5D-085DCC5782DB}" type="datetimeFigureOut">
               <a:rPr kumimoji="1" lang="zh-CN" altLang="en-US" smtClean="0"/>
-              <a:t>4/27/17</a:t>
+              <a:t>4/28/17</a:t>
             </a:fld>
             <a:endParaRPr kumimoji="1" lang="zh-CN" altLang="en-US"/>
           </a:p>
@@ -15691,7 +15791,7 @@
           <a:p>
             <a:fld id="{9C4B66C9-2F74-5140-8B5D-085DCC5782DB}" type="datetimeFigureOut">
               <a:rPr kumimoji="1" lang="zh-CN" altLang="en-US" smtClean="0"/>
-              <a:t>4/27/17</a:t>
+              <a:t>4/28/17</a:t>
             </a:fld>
             <a:endParaRPr kumimoji="1" lang="zh-CN" altLang="en-US"/>
           </a:p>
@@ -16113,7 +16213,7 @@
           <a:p>
             <a:fld id="{9C4B66C9-2F74-5140-8B5D-085DCC5782DB}" type="datetimeFigureOut">
               <a:rPr kumimoji="1" lang="zh-CN" altLang="en-US" smtClean="0"/>
-              <a:t>4/27/17</a:t>
+              <a:t>4/28/17</a:t>
             </a:fld>
             <a:endParaRPr kumimoji="1" lang="zh-CN" altLang="en-US"/>
           </a:p>
@@ -16231,7 +16331,7 @@
           <a:p>
             <a:fld id="{9C4B66C9-2F74-5140-8B5D-085DCC5782DB}" type="datetimeFigureOut">
               <a:rPr kumimoji="1" lang="zh-CN" altLang="en-US" smtClean="0"/>
-              <a:t>4/27/17</a:t>
+              <a:t>4/28/17</a:t>
             </a:fld>
             <a:endParaRPr kumimoji="1" lang="zh-CN" altLang="en-US"/>
           </a:p>
@@ -16326,7 +16426,7 @@
           <a:p>
             <a:fld id="{9C4B66C9-2F74-5140-8B5D-085DCC5782DB}" type="datetimeFigureOut">
               <a:rPr kumimoji="1" lang="zh-CN" altLang="en-US" smtClean="0"/>
-              <a:t>4/27/17</a:t>
+              <a:t>4/28/17</a:t>
             </a:fld>
             <a:endParaRPr kumimoji="1" lang="zh-CN" altLang="en-US"/>
           </a:p>
@@ -16737,7 +16837,7 @@
           <a:p>
             <a:fld id="{9C4B66C9-2F74-5140-8B5D-085DCC5782DB}" type="datetimeFigureOut">
               <a:rPr kumimoji="1" lang="zh-CN" altLang="en-US" smtClean="0"/>
-              <a:t>4/27/17</a:t>
+              <a:t>4/28/17</a:t>
             </a:fld>
             <a:endParaRPr kumimoji="1" lang="zh-CN" altLang="en-US"/>
           </a:p>
@@ -16990,7 +17090,7 @@
           <a:p>
             <a:fld id="{9C4B66C9-2F74-5140-8B5D-085DCC5782DB}" type="datetimeFigureOut">
               <a:rPr kumimoji="1" lang="zh-CN" altLang="en-US" smtClean="0"/>
-              <a:t>4/27/17</a:t>
+              <a:t>4/28/17</a:t>
             </a:fld>
             <a:endParaRPr kumimoji="1" lang="zh-CN" altLang="en-US"/>
           </a:p>
@@ -17160,7 +17260,7 @@
           <a:p>
             <a:fld id="{9C4B66C9-2F74-5140-8B5D-085DCC5782DB}" type="datetimeFigureOut">
               <a:rPr kumimoji="1" lang="zh-CN" altLang="en-US" smtClean="0"/>
-              <a:t>4/27/17</a:t>
+              <a:t>4/28/17</a:t>
             </a:fld>
             <a:endParaRPr kumimoji="1" lang="zh-CN" altLang="en-US"/>
           </a:p>
@@ -17340,7 +17440,7 @@
           <a:p>
             <a:fld id="{9C4B66C9-2F74-5140-8B5D-085DCC5782DB}" type="datetimeFigureOut">
               <a:rPr kumimoji="1" lang="zh-CN" altLang="en-US" smtClean="0"/>
-              <a:t>4/27/17</a:t>
+              <a:t>4/28/17</a:t>
             </a:fld>
             <a:endParaRPr kumimoji="1" lang="zh-CN" altLang="en-US"/>
           </a:p>
@@ -18850,7 +18950,7 @@
           <a:graphicData uri="http://schemas.openxmlformats.org/presentationml/2006/ole">
             <mc:AlternateContent xmlns:mc="http://schemas.openxmlformats.org/markup-compatibility/2006">
               <mc:Choice xmlns:v="urn:schemas-microsoft-com:vml" Requires="v">
-                <p:oleObj spid="_x0000_s1078" name="think-cell Slide" r:id="rId16" imgW="270" imgH="270" progId="TCLayout.ActiveDocument.1">
+                <p:oleObj spid="_x0000_s1081" name="think-cell Slide" r:id="rId16" imgW="270" imgH="270" progId="TCLayout.ActiveDocument.1">
                   <p:embed/>
                 </p:oleObj>
               </mc:Choice>
@@ -19804,7 +19904,7 @@
           <a:p>
             <a:fld id="{9C4B66C9-2F74-5140-8B5D-085DCC5782DB}" type="datetimeFigureOut">
               <a:rPr kumimoji="1" lang="zh-CN" altLang="en-US" smtClean="0"/>
-              <a:t>4/27/17</a:t>
+              <a:t>4/28/17</a:t>
             </a:fld>
             <a:endParaRPr kumimoji="1" lang="zh-CN" altLang="en-US"/>
           </a:p>
@@ -20308,7 +20408,19 @@
           <a:p>
             <a:r>
               <a:rPr kumimoji="1" lang="en-US" altLang="zh-CN" dirty="0" smtClean="0"/>
-              <a:t>Step 4: Including news features from NLP</a:t>
+              <a:t>Step 4: </a:t>
+            </a:r>
+            <a:r>
+              <a:rPr kumimoji="1" lang="en-US" altLang="zh-CN" dirty="0" smtClean="0"/>
+              <a:t>Trading on News! </a:t>
+            </a:r>
+            <a:r>
+              <a:rPr kumimoji="1" lang="en-US" altLang="zh-CN" dirty="0" smtClean="0"/>
+              <a:t>Including </a:t>
+            </a:r>
+            <a:r>
+              <a:rPr kumimoji="1" lang="en-US" altLang="zh-CN" dirty="0" smtClean="0"/>
+              <a:t>news features from NLP</a:t>
             </a:r>
             <a:endParaRPr kumimoji="1" lang="zh-CN" altLang="en-US" dirty="0"/>
           </a:p>
@@ -20601,8 +20713,13 @@
             </a:pPr>
             <a:r>
               <a:rPr lang="en-US" altLang="zh-CN" sz="1600" dirty="0" smtClean="0"/>
-              <a:t>Building up the advanced model from the features, we would have more accrete prediction</a:t>
-            </a:r>
+              <a:t>Building up </a:t>
+            </a:r>
+            <a:r>
+              <a:rPr lang="en-US" altLang="zh-CN" sz="1600" dirty="0" smtClean="0"/>
+              <a:t>model based on news, we actually face a worse result compared to financial indicators</a:t>
+            </a:r>
+            <a:endParaRPr lang="en-US" altLang="zh-CN" sz="1600" dirty="0" smtClean="0"/>
           </a:p>
           <a:p>
             <a:pPr marL="285750" indent="-285750">
@@ -20611,12 +20728,21 @@
             </a:pPr>
             <a:r>
               <a:rPr lang="en-US" altLang="zh-CN" sz="1600" dirty="0" smtClean="0"/>
-              <a:t>Compared the mixed portfolio and specific stock, we see that specific is better, improved by </a:t>
-            </a:r>
-            <a:r>
-              <a:rPr lang="en-US" altLang="zh-CN" sz="1600" b="1" dirty="0" smtClean="0"/>
-              <a:t>5-8%??</a:t>
-            </a:r>
+              <a:t>Compared the mixed portfolio </a:t>
+            </a:r>
+            <a:r>
+              <a:rPr lang="en-US" altLang="zh-CN" sz="1600" dirty="0" smtClean="0"/>
+              <a:t>and </a:t>
+            </a:r>
+            <a:r>
+              <a:rPr lang="en-US" altLang="zh-CN" sz="1600" dirty="0" smtClean="0"/>
+              <a:t>specific stock, </a:t>
+            </a:r>
+            <a:r>
+              <a:rPr lang="en-US" altLang="zh-CN" sz="1600" dirty="0" smtClean="0"/>
+              <a:t>suffered from less than 50% accuracy</a:t>
+            </a:r>
+            <a:endParaRPr lang="en-US" altLang="zh-CN" sz="1600" b="1" dirty="0" smtClean="0"/>
           </a:p>
           <a:p>
             <a:pPr marL="285750" indent="-285750">
@@ -20625,8 +20751,29 @@
             </a:pPr>
             <a:r>
               <a:rPr lang="en-US" altLang="zh-CN" sz="1600" dirty="0" smtClean="0"/>
-              <a:t>How to utilized this, the investment horizon changed on this model, we can more flexibility change our portfolio and thus gain better result</a:t>
-            </a:r>
+              <a:t>How to utilized this</a:t>
+            </a:r>
+            <a:r>
+              <a:rPr lang="en-US" altLang="zh-CN" sz="1600" dirty="0" smtClean="0"/>
+              <a:t>, </a:t>
+            </a:r>
+            <a:r>
+              <a:rPr lang="en-US" altLang="zh-CN" sz="1600" dirty="0" smtClean="0"/>
+              <a:t>we can more flexibility change our portfolio </a:t>
+            </a:r>
+            <a:r>
+              <a:rPr lang="en-US" altLang="zh-CN" sz="1600" dirty="0" smtClean="0"/>
+              <a:t>and </a:t>
+            </a:r>
+            <a:r>
+              <a:rPr lang="en-US" altLang="zh-CN" sz="1600" dirty="0" smtClean="0"/>
+              <a:t>gain better </a:t>
+            </a:r>
+            <a:r>
+              <a:rPr lang="en-US" altLang="zh-CN" sz="1600" dirty="0" smtClean="0"/>
+              <a:t>result(maybe more tuning on the horizon in future analysis)</a:t>
+            </a:r>
+            <a:endParaRPr lang="en-US" altLang="zh-CN" sz="1600" dirty="0" smtClean="0"/>
           </a:p>
         </p:txBody>
       </p:sp>
@@ -20785,7 +20932,7 @@
         <p:spPr>
           <a:xfrm>
             <a:off x="6714857" y="2987933"/>
-            <a:ext cx="2134330" cy="1815882"/>
+            <a:ext cx="2134330" cy="1569660"/>
           </a:xfrm>
           <a:prstGeom prst="rect">
             <a:avLst/>
@@ -20819,23 +20966,27 @@
             </a:pPr>
             <a:r>
               <a:rPr lang="en-US" altLang="zh-CN" sz="1600" dirty="0" smtClean="0"/>
-              <a:t>We </a:t>
+              <a:t>But </a:t>
+            </a:r>
+            <a:r>
+              <a:rPr lang="en-US" altLang="zh-CN" sz="1600" dirty="0"/>
+              <a:t>w</a:t>
             </a:r>
             <a:r>
               <a:rPr lang="en-US" altLang="zh-CN" sz="1600" dirty="0" smtClean="0"/>
-              <a:t>see </a:t>
+              <a:t>e </a:t>
             </a:r>
             <a:r>
               <a:rPr lang="en-US" altLang="zh-CN" sz="1600" dirty="0" smtClean="0"/>
-              <a:t>that the model would outperform our basics by </a:t>
-            </a:r>
-            <a:r>
-              <a:rPr lang="en-US" altLang="zh-CN" sz="1600" b="1" dirty="0" smtClean="0"/>
-              <a:t>5%??</a:t>
+              <a:t>see that the model </a:t>
             </a:r>
             <a:r>
               <a:rPr lang="en-US" altLang="zh-CN" sz="1600" dirty="0" smtClean="0"/>
-              <a:t> </a:t>
+              <a:t>is </a:t>
+            </a:r>
+            <a:r>
+              <a:rPr lang="en-US" altLang="zh-CN" sz="1600" dirty="0" smtClean="0"/>
+              <a:t>still troublesome</a:t>
             </a:r>
             <a:endParaRPr lang="en-US" altLang="zh-CN" sz="1600" b="1" dirty="0" smtClean="0"/>
           </a:p>
@@ -20888,75 +21039,400 @@
           <a:p>
             <a:r>
               <a:rPr kumimoji="1" lang="en-US" altLang="zh-CN" dirty="0" smtClean="0"/>
-              <a:t>Step 5: Strategy and Back test</a:t>
+              <a:t>Comparison of models</a:t>
             </a:r>
             <a:endParaRPr kumimoji="1" lang="zh-CN" altLang="en-US" dirty="0"/>
           </a:p>
         </p:txBody>
       </p:sp>
+      <p:graphicFrame>
+        <p:nvGraphicFramePr>
+          <p:cNvPr id="4" name="Table 1"/>
+          <p:cNvGraphicFramePr>
+            <a:graphicFrameLocks noGrp="1"/>
+          </p:cNvGraphicFramePr>
+          <p:nvPr>
+            <p:extLst>
+              <p:ext uri="{D42A27DB-BD31-4B8C-83A1-F6EECF244321}">
+                <p14:modId xmlns:p14="http://schemas.microsoft.com/office/powerpoint/2010/main" val="1108944075"/>
+              </p:ext>
+            </p:extLst>
+          </p:nvPr>
+        </p:nvGraphicFramePr>
+        <p:xfrm>
+          <a:off x="437605" y="1400527"/>
+          <a:ext cx="8216473" cy="1112520"/>
+        </p:xfrm>
+        <a:graphic>
+          <a:graphicData uri="http://schemas.openxmlformats.org/drawingml/2006/table">
+            <a:tbl>
+              <a:tblPr firstRow="1" bandRow="1">
+                <a:tableStyleId>{5C22544A-7EE6-4342-B048-85BDC9FD1C3A}</a:tableStyleId>
+              </a:tblPr>
+              <a:tblGrid>
+                <a:gridCol w="1661417">
+                  <a:extLst>
+                    <a:ext uri="{9D8B030D-6E8A-4147-A177-3AD203B41FA5}">
+                      <a16:colId xmlns="" xmlns:a16="http://schemas.microsoft.com/office/drawing/2014/main" val="312583748"/>
+                    </a:ext>
+                  </a:extLst>
+                </a:gridCol>
+                <a:gridCol w="1160594">
+                  <a:extLst>
+                    <a:ext uri="{9D8B030D-6E8A-4147-A177-3AD203B41FA5}">
+                      <a16:colId xmlns="" xmlns:a16="http://schemas.microsoft.com/office/drawing/2014/main" val="3220018061"/>
+                    </a:ext>
+                  </a:extLst>
+                </a:gridCol>
+                <a:gridCol w="1160594">
+                  <a:extLst>
+                    <a:ext uri="{9D8B030D-6E8A-4147-A177-3AD203B41FA5}">
+                      <a16:colId xmlns="" xmlns:a16="http://schemas.microsoft.com/office/drawing/2014/main" val="1218622454"/>
+                    </a:ext>
+                  </a:extLst>
+                </a:gridCol>
+                <a:gridCol w="1160594"/>
+                <a:gridCol w="1160594"/>
+                <a:gridCol w="1912680"/>
+              </a:tblGrid>
+              <a:tr h="370840">
+                <a:tc>
+                  <a:txBody>
+                    <a:bodyPr/>
+                    <a:lstStyle/>
+                    <a:p>
+                      <a:r>
+                        <a:rPr lang="en-US" altLang="zh-CN" dirty="0" smtClean="0"/>
+                        <a:t>Method</a:t>
+                      </a:r>
+                      <a:endParaRPr lang="zh-CN" altLang="en-US" dirty="0"/>
+                    </a:p>
+                  </a:txBody>
+                  <a:tcPr/>
+                </a:tc>
+                <a:tc>
+                  <a:txBody>
+                    <a:bodyPr/>
+                    <a:lstStyle/>
+                    <a:p>
+                      <a:r>
+                        <a:rPr lang="en-US" altLang="zh-CN" dirty="0" smtClean="0"/>
+                        <a:t>Precision</a:t>
+                      </a:r>
+                      <a:endParaRPr lang="zh-CN" altLang="en-US" dirty="0"/>
+                    </a:p>
+                  </a:txBody>
+                  <a:tcPr/>
+                </a:tc>
+                <a:tc>
+                  <a:txBody>
+                    <a:bodyPr/>
+                    <a:lstStyle/>
+                    <a:p>
+                      <a:r>
+                        <a:rPr lang="en-US" altLang="zh-CN" dirty="0" smtClean="0"/>
+                        <a:t>Recall</a:t>
+                      </a:r>
+                      <a:endParaRPr lang="zh-CN" altLang="en-US" dirty="0"/>
+                    </a:p>
+                  </a:txBody>
+                  <a:tcPr/>
+                </a:tc>
+                <a:tc>
+                  <a:txBody>
+                    <a:bodyPr/>
+                    <a:lstStyle/>
+                    <a:p>
+                      <a:r>
+                        <a:rPr lang="en-US" altLang="zh-CN" dirty="0" smtClean="0"/>
+                        <a:t>F1</a:t>
+                      </a:r>
+                      <a:endParaRPr lang="zh-CN" altLang="en-US" dirty="0"/>
+                    </a:p>
+                  </a:txBody>
+                  <a:tcPr/>
+                </a:tc>
+                <a:tc>
+                  <a:txBody>
+                    <a:bodyPr/>
+                    <a:lstStyle/>
+                    <a:p>
+                      <a:r>
+                        <a:rPr lang="en-US" altLang="zh-CN" dirty="0" smtClean="0"/>
+                        <a:t>Accuracy</a:t>
+                      </a:r>
+                      <a:endParaRPr lang="zh-CN" altLang="en-US" dirty="0"/>
+                    </a:p>
+                  </a:txBody>
+                  <a:tcPr/>
+                </a:tc>
+                <a:tc>
+                  <a:txBody>
+                    <a:bodyPr/>
+                    <a:lstStyle/>
+                    <a:p>
+                      <a:r>
+                        <a:rPr lang="en-US" altLang="zh-CN" dirty="0" smtClean="0"/>
+                        <a:t>Time</a:t>
+                      </a:r>
+                      <a:endParaRPr lang="zh-CN" altLang="en-US" dirty="0"/>
+                    </a:p>
+                  </a:txBody>
+                  <a:tcPr/>
+                </a:tc>
+                <a:extLst>
+                  <a:ext uri="{0D108BD9-81ED-4DB2-BD59-A6C34878D82A}">
+                    <a16:rowId xmlns="" xmlns:a16="http://schemas.microsoft.com/office/drawing/2014/main" val="2618440337"/>
+                  </a:ext>
+                </a:extLst>
+              </a:tr>
+              <a:tr h="370840">
+                <a:tc>
+                  <a:txBody>
+                    <a:bodyPr/>
+                    <a:lstStyle/>
+                    <a:p>
+                      <a:r>
+                        <a:rPr lang="en-US" altLang="zh-CN" dirty="0" smtClean="0"/>
+                        <a:t>Short</a:t>
+                      </a:r>
+                      <a:r>
+                        <a:rPr lang="en-US" altLang="zh-CN" baseline="0" dirty="0" smtClean="0"/>
+                        <a:t> after</a:t>
+                      </a:r>
+                      <a:endParaRPr lang="zh-CN" altLang="en-US" dirty="0"/>
+                    </a:p>
+                  </a:txBody>
+                  <a:tcPr/>
+                </a:tc>
+                <a:tc>
+                  <a:txBody>
+                    <a:bodyPr/>
+                    <a:lstStyle/>
+                    <a:p>
+                      <a:r>
+                        <a:rPr lang="en-US" altLang="zh-CN" dirty="0" smtClean="0"/>
+                        <a:t>0.71</a:t>
+                      </a:r>
+                      <a:endParaRPr lang="zh-CN" altLang="en-US" dirty="0"/>
+                    </a:p>
+                  </a:txBody>
+                  <a:tcPr/>
+                </a:tc>
+                <a:tc>
+                  <a:txBody>
+                    <a:bodyPr/>
+                    <a:lstStyle/>
+                    <a:p>
+                      <a:r>
+                        <a:rPr lang="en-US" altLang="zh-CN" dirty="0" smtClean="0"/>
+                        <a:t>0.88</a:t>
+                      </a:r>
+                      <a:endParaRPr lang="zh-CN" altLang="en-US" dirty="0"/>
+                    </a:p>
+                  </a:txBody>
+                  <a:tcPr/>
+                </a:tc>
+                <a:tc>
+                  <a:txBody>
+                    <a:bodyPr/>
+                    <a:lstStyle/>
+                    <a:p>
+                      <a:r>
+                        <a:rPr lang="en-US" altLang="zh-CN" dirty="0" smtClean="0"/>
+                        <a:t>0.78</a:t>
+                      </a:r>
+                      <a:endParaRPr lang="zh-CN" altLang="en-US" dirty="0"/>
+                    </a:p>
+                  </a:txBody>
+                  <a:tcPr/>
+                </a:tc>
+                <a:tc>
+                  <a:txBody>
+                    <a:bodyPr/>
+                    <a:lstStyle/>
+                    <a:p>
+                      <a:r>
+                        <a:rPr lang="en-US" altLang="zh-CN" dirty="0" smtClean="0"/>
+                        <a:t>0.83</a:t>
+                      </a:r>
+                      <a:endParaRPr lang="zh-CN" altLang="en-US" dirty="0"/>
+                    </a:p>
+                  </a:txBody>
+                  <a:tcPr/>
+                </a:tc>
+                <a:tc>
+                  <a:txBody>
+                    <a:bodyPr/>
+                    <a:lstStyle/>
+                    <a:p>
+                      <a:r>
+                        <a:rPr lang="hu-HU" altLang="zh-CN" sz="1632" b="0" i="0" u="none" strike="noStrike" kern="1200" baseline="0" dirty="0" smtClean="0">
+                          <a:solidFill>
+                            <a:schemeClr val="dk1"/>
+                          </a:solidFill>
+                          <a:latin typeface="+mn-lt"/>
+                          <a:ea typeface="+mn-ea"/>
+                          <a:cs typeface="+mn-cs"/>
+                        </a:rPr>
+                        <a:t> </a:t>
+                      </a:r>
+                      <a:r>
+                        <a:rPr lang="hu-HU" altLang="zh-CN" sz="1632" b="0" i="0" u="none" strike="noStrike" kern="1200" baseline="0" dirty="0" smtClean="0">
+                          <a:solidFill>
+                            <a:schemeClr val="dk1"/>
+                          </a:solidFill>
+                          <a:latin typeface="+mn-lt"/>
+                          <a:ea typeface="+mn-ea"/>
+                          <a:cs typeface="+mn-cs"/>
+                        </a:rPr>
+                        <a:t>4.2500598secs</a:t>
+                      </a:r>
+                      <a:endParaRPr lang="zh-CN" altLang="en-US" dirty="0"/>
+                    </a:p>
+                  </a:txBody>
+                  <a:tcPr/>
+                </a:tc>
+                <a:extLst>
+                  <a:ext uri="{0D108BD9-81ED-4DB2-BD59-A6C34878D82A}">
+                    <a16:rowId xmlns="" xmlns:a16="http://schemas.microsoft.com/office/drawing/2014/main" val="4098914447"/>
+                  </a:ext>
+                </a:extLst>
+              </a:tr>
+              <a:tr h="370840">
+                <a:tc>
+                  <a:txBody>
+                    <a:bodyPr/>
+                    <a:lstStyle/>
+                    <a:p>
+                      <a:r>
+                        <a:rPr lang="en-US" altLang="zh-CN" dirty="0" smtClean="0"/>
+                        <a:t>NLP</a:t>
+                      </a:r>
+                      <a:endParaRPr lang="zh-CN" altLang="en-US" dirty="0"/>
+                    </a:p>
+                  </a:txBody>
+                  <a:tcPr/>
+                </a:tc>
+                <a:tc>
+                  <a:txBody>
+                    <a:bodyPr/>
+                    <a:lstStyle/>
+                    <a:p>
+                      <a:r>
+                        <a:rPr lang="en-US" altLang="zh-CN" dirty="0" smtClean="0"/>
+                        <a:t>0.47</a:t>
+                      </a:r>
+                      <a:endParaRPr lang="zh-CN" altLang="en-US" dirty="0"/>
+                    </a:p>
+                  </a:txBody>
+                  <a:tcPr/>
+                </a:tc>
+                <a:tc>
+                  <a:txBody>
+                    <a:bodyPr/>
+                    <a:lstStyle/>
+                    <a:p>
+                      <a:r>
+                        <a:rPr lang="en-US" altLang="zh-CN" dirty="0" smtClean="0"/>
+                        <a:t>0.68</a:t>
+                      </a:r>
+                      <a:endParaRPr lang="zh-CN" altLang="en-US" dirty="0"/>
+                    </a:p>
+                  </a:txBody>
+                  <a:tcPr/>
+                </a:tc>
+                <a:tc>
+                  <a:txBody>
+                    <a:bodyPr/>
+                    <a:lstStyle/>
+                    <a:p>
+                      <a:r>
+                        <a:rPr lang="en-US" altLang="zh-CN" dirty="0" smtClean="0"/>
+                        <a:t>0.56</a:t>
+                      </a:r>
+                      <a:endParaRPr lang="zh-CN" altLang="en-US" dirty="0"/>
+                    </a:p>
+                  </a:txBody>
+                  <a:tcPr/>
+                </a:tc>
+                <a:tc>
+                  <a:txBody>
+                    <a:bodyPr/>
+                    <a:lstStyle/>
+                    <a:p>
+                      <a:r>
+                        <a:rPr lang="en-US" altLang="zh-CN" dirty="0" smtClean="0"/>
+                        <a:t>0.44</a:t>
+                      </a:r>
+                      <a:endParaRPr lang="zh-CN" altLang="en-US" dirty="0"/>
+                    </a:p>
+                  </a:txBody>
+                  <a:tcPr/>
+                </a:tc>
+                <a:tc>
+                  <a:txBody>
+                    <a:bodyPr/>
+                    <a:lstStyle/>
+                    <a:p>
+                      <a:r>
+                        <a:rPr lang="hu-HU" altLang="zh-CN" sz="1632" b="0" i="0" u="none" strike="noStrike" kern="1200" baseline="0" dirty="0" smtClean="0">
+                          <a:solidFill>
+                            <a:schemeClr val="dk1"/>
+                          </a:solidFill>
+                          <a:latin typeface="+mn-lt"/>
+                          <a:ea typeface="+mn-ea"/>
+                          <a:cs typeface="+mn-cs"/>
+                        </a:rPr>
+                        <a:t> </a:t>
+                      </a:r>
+                      <a:r>
+                        <a:rPr lang="hu-HU" altLang="zh-CN" sz="1632" b="0" i="0" u="none" strike="noStrike" kern="1200" baseline="0" dirty="0" smtClean="0">
+                          <a:solidFill>
+                            <a:schemeClr val="dk1"/>
+                          </a:solidFill>
+                          <a:latin typeface="+mn-lt"/>
+                          <a:ea typeface="+mn-ea"/>
+                          <a:cs typeface="+mn-cs"/>
+                        </a:rPr>
+                        <a:t>0.3933802 </a:t>
+                      </a:r>
+                      <a:r>
+                        <a:rPr lang="hu-HU" altLang="zh-CN" sz="1632" b="0" i="0" u="none" strike="noStrike" kern="1200" baseline="0" dirty="0" smtClean="0">
+                          <a:solidFill>
+                            <a:schemeClr val="dk1"/>
+                          </a:solidFill>
+                          <a:latin typeface="+mn-lt"/>
+                          <a:ea typeface="+mn-ea"/>
+                          <a:cs typeface="+mn-cs"/>
+                        </a:rPr>
+                        <a:t>secs</a:t>
+                      </a:r>
+                      <a:endParaRPr lang="zh-CN" altLang="en-US" dirty="0"/>
+                    </a:p>
+                  </a:txBody>
+                  <a:tcPr/>
+                </a:tc>
+                <a:extLst>
+                  <a:ext uri="{0D108BD9-81ED-4DB2-BD59-A6C34878D82A}">
+                    <a16:rowId xmlns="" xmlns:a16="http://schemas.microsoft.com/office/drawing/2014/main" val="1831185151"/>
+                  </a:ext>
+                </a:extLst>
+              </a:tr>
+            </a:tbl>
+          </a:graphicData>
+        </a:graphic>
+      </p:graphicFrame>
       <p:sp>
         <p:nvSpPr>
-          <p:cNvPr id="3" name="Rectangle 7"/>
-          <p:cNvSpPr>
-            <a:spLocks noGrp="1" noChangeArrowheads="1"/>
-          </p:cNvSpPr>
-          <p:nvPr>
-            <p:ph type="sldNum" sz="quarter" idx="4294967295"/>
-          </p:nvPr>
-        </p:nvSpPr>
-        <p:spPr bwMode="auto">
-          <a:xfrm>
-            <a:off x="4392053" y="6331127"/>
-            <a:ext cx="359894" cy="476490"/>
-          </a:xfrm>
-          <a:prstGeom prst="rect">
-            <a:avLst/>
-          </a:prstGeom>
-          <a:noFill/>
-          <a:ln w="9525">
-            <a:noFill/>
-            <a:miter lim="800000"/>
-            <a:headEnd/>
-            <a:tailEnd/>
-          </a:ln>
-          <a:effectLst/>
-        </p:spPr>
-        <p:txBody>
-          <a:bodyPr vert="horz" wrap="square" lIns="0" tIns="0" rIns="0" bIns="0" numCol="1" anchor="t" anchorCtr="0" compatLnSpc="1">
-            <a:prstTxWarp prst="textNoShape">
-              <a:avLst/>
-            </a:prstTxWarp>
-          </a:bodyPr>
-          <a:lstStyle>
-            <a:lvl1pPr algn="ctr">
-              <a:defRPr sz="997">
-                <a:solidFill>
-                  <a:schemeClr val="tx1"/>
-                </a:solidFill>
-                <a:latin typeface="Book Antiqua" pitchFamily="18" charset="0"/>
-                <a:ea typeface="PMingLiU" pitchFamily="18" charset="-120"/>
-              </a:defRPr>
-            </a:lvl1pPr>
-          </a:lstStyle>
-          <a:p>
-            <a:fld id="{56BE7AB8-F860-7943-A621-7D3C9EA17DF4}" type="slidenum">
-              <a:rPr kumimoji="1" lang="zh-CN" altLang="en-US" smtClean="0"/>
-              <a:t>12</a:t>
-            </a:fld>
-            <a:endParaRPr kumimoji="1" lang="zh-CN" altLang="en-US"/>
-          </a:p>
-        </p:txBody>
-      </p:sp>
-      <p:sp>
-        <p:nvSpPr>
-          <p:cNvPr id="6" name="TextBox 13"/>
+          <p:cNvPr id="5" name="TextBox 15"/>
           <p:cNvSpPr txBox="1"/>
           <p:nvPr/>
         </p:nvSpPr>
         <p:spPr>
           <a:xfrm>
-            <a:off x="504472" y="969005"/>
-            <a:ext cx="8196634" cy="584776"/>
+            <a:off x="2492550" y="3893176"/>
+            <a:ext cx="6382550" cy="2062103"/>
           </a:xfrm>
           <a:prstGeom prst="rect">
             <a:avLst/>
@@ -20973,9 +21449,20 @@
               <a:buFont typeface="Arial" panose="020B0604020202020204" pitchFamily="34" charset="0"/>
               <a:buChar char="•"/>
             </a:pPr>
-            <a:endParaRPr lang="en-US" altLang="zh-CN" sz="1600" dirty="0" smtClean="0">
-              <a:ea typeface="华文楷体" panose="02010600040101010101" pitchFamily="2" charset="-122"/>
-            </a:endParaRPr>
+            <a:r>
+              <a:rPr lang="en-US" sz="1600" dirty="0" smtClean="0">
+                <a:latin typeface="+mj-lt"/>
+                <a:ea typeface="华文楷体" panose="02010600040101010101" pitchFamily="2" charset="-122"/>
+              </a:rPr>
+              <a:t>Data collection: when focused on specific stocks, the news and articles are quite distinct, too limited information with too many NAs. </a:t>
+            </a:r>
+            <a:r>
+              <a:rPr lang="en-US" sz="1600" u="sng" dirty="0" smtClean="0">
+                <a:latin typeface="+mj-lt"/>
+                <a:ea typeface="华文楷体" panose="02010600040101010101" pitchFamily="2" charset="-122"/>
+              </a:rPr>
+              <a:t>We also understand why so many people trading only on index based on this method</a:t>
+            </a:r>
           </a:p>
           <a:p>
             <a:pPr marL="285750" indent="-285750">
@@ -20983,17 +21470,286 @@
               <a:buChar char="•"/>
             </a:pPr>
             <a:r>
-              <a:rPr lang="en-US" altLang="zh-CN" sz="1600" dirty="0" smtClean="0">
+              <a:rPr lang="en-US" sz="1600" dirty="0" smtClean="0">
+                <a:latin typeface="+mj-lt"/>
                 <a:ea typeface="华文楷体" panose="02010600040101010101" pitchFamily="2" charset="-122"/>
               </a:rPr>
-              <a:t>After building up the portfolio based on our analysis, we have the following lines!  </a:t>
-            </a:r>
+              <a:t>This also is an idea </a:t>
+            </a:r>
+            <a:r>
+              <a:rPr lang="en-US" sz="1600" dirty="0" smtClean="0">
+                <a:latin typeface="+mj-lt"/>
+                <a:ea typeface="华文楷体" panose="02010600040101010101" pitchFamily="2" charset="-122"/>
+              </a:rPr>
+              <a:t>for using </a:t>
+            </a:r>
+            <a:r>
+              <a:rPr lang="en-US" sz="1600" dirty="0">
+                <a:latin typeface="+mj-lt"/>
+                <a:ea typeface="华文楷体" panose="02010600040101010101" pitchFamily="2" charset="-122"/>
+              </a:rPr>
+              <a:t>Periodic or </a:t>
+            </a:r>
+            <a:r>
+              <a:rPr lang="en-US" sz="1600" dirty="0" smtClean="0">
+                <a:latin typeface="+mj-lt"/>
+                <a:ea typeface="华文楷体" panose="02010600040101010101" pitchFamily="2" charset="-122"/>
+              </a:rPr>
+              <a:t>recurring events like federal reserve disclosure to trade interest rate</a:t>
+            </a:r>
+            <a:endParaRPr lang="en-US" sz="1600" dirty="0" smtClean="0">
+              <a:latin typeface="+mj-lt"/>
+              <a:ea typeface="华文楷体" panose="02010600040101010101" pitchFamily="2" charset="-122"/>
+            </a:endParaRPr>
+          </a:p>
+          <a:p>
+            <a:pPr marL="285750" indent="-285750">
+              <a:buFont typeface="Arial" panose="020B0604020202020204" pitchFamily="34" charset="0"/>
+              <a:buChar char="•"/>
+            </a:pPr>
+            <a:r>
+              <a:rPr lang="en-US" sz="1600" dirty="0" smtClean="0">
+                <a:latin typeface="+mj-lt"/>
+                <a:ea typeface="华文楷体" panose="02010600040101010101" pitchFamily="2" charset="-122"/>
+              </a:rPr>
+              <a:t>NLP </a:t>
+            </a:r>
+            <a:r>
+              <a:rPr lang="en-US" sz="1600" dirty="0">
+                <a:latin typeface="+mj-lt"/>
+                <a:ea typeface="华文楷体" panose="02010600040101010101" pitchFamily="2" charset="-122"/>
+              </a:rPr>
+              <a:t>analysis: The sentiment result from </a:t>
+            </a:r>
+            <a:r>
+              <a:rPr lang="en-US" sz="1600" dirty="0" smtClean="0">
+                <a:latin typeface="+mj-lt"/>
+                <a:ea typeface="华文楷体" panose="02010600040101010101" pitchFamily="2" charset="-122"/>
+              </a:rPr>
+              <a:t>toolkit </a:t>
+            </a:r>
+            <a:r>
+              <a:rPr lang="en-US" sz="1600" dirty="0">
+                <a:latin typeface="+mj-lt"/>
+                <a:ea typeface="华文楷体" panose="02010600040101010101" pitchFamily="2" charset="-122"/>
+              </a:rPr>
+              <a:t>is too </a:t>
+            </a:r>
+            <a:r>
+              <a:rPr lang="en-US" sz="1600" dirty="0" smtClean="0">
+                <a:latin typeface="+mj-lt"/>
+                <a:ea typeface="华文楷体" panose="02010600040101010101" pitchFamily="2" charset="-122"/>
+              </a:rPr>
+              <a:t>general to </a:t>
+            </a:r>
+            <a:r>
+              <a:rPr lang="en-US" sz="1600" dirty="0">
+                <a:latin typeface="+mj-lt"/>
+                <a:ea typeface="华文楷体" panose="02010600040101010101" pitchFamily="2" charset="-122"/>
+              </a:rPr>
+              <a:t>apply for financial news </a:t>
+            </a:r>
+            <a:r>
+              <a:rPr lang="en-US" sz="1600" dirty="0" smtClean="0">
+                <a:latin typeface="+mj-lt"/>
+                <a:ea typeface="华文楷体" panose="02010600040101010101" pitchFamily="2" charset="-122"/>
+              </a:rPr>
+              <a:t>and our word vector list is quite limited </a:t>
+            </a:r>
+            <a:endParaRPr lang="en-US" sz="1600" dirty="0" smtClean="0">
+              <a:latin typeface="+mj-lt"/>
+              <a:ea typeface="华文楷体" panose="02010600040101010101" pitchFamily="2" charset="-122"/>
+            </a:endParaRPr>
           </a:p>
         </p:txBody>
       </p:sp>
       <p:sp>
         <p:nvSpPr>
-          <p:cNvPr id="10" name="文本框 9"/>
+          <p:cNvPr id="6" name="Rectangle 14"/>
+          <p:cNvSpPr/>
+          <p:nvPr/>
+        </p:nvSpPr>
+        <p:spPr bwMode="auto">
+          <a:xfrm>
+            <a:off x="272977" y="3970577"/>
+            <a:ext cx="2001860" cy="1984702"/>
+          </a:xfrm>
+          <a:prstGeom prst="rect">
+            <a:avLst/>
+          </a:prstGeom>
+          <a:solidFill>
+            <a:schemeClr val="accent2"/>
+          </a:solidFill>
+          <a:ln w="9525" cap="flat" cmpd="sng" algn="ctr">
+            <a:noFill/>
+            <a:prstDash val="solid"/>
+            <a:round/>
+            <a:headEnd type="none" w="med" len="med"/>
+            <a:tailEnd type="triangle" w="med" len="med"/>
+          </a:ln>
+          <a:effectLst/>
+        </p:spPr>
+        <p:txBody>
+          <a:bodyPr vert="horz" wrap="square" lIns="0" tIns="0" rIns="0" bIns="0" numCol="1" rtlCol="0" anchor="ctr" anchorCtr="0" compatLnSpc="1">
+            <a:prstTxWarp prst="textNoShape">
+              <a:avLst/>
+            </a:prstTxWarp>
+          </a:bodyPr>
+          <a:lstStyle/>
+          <a:p>
+            <a:pPr marL="0" marR="0" indent="0" algn="ctr" defTabSz="995363" rtl="0" eaLnBrk="1" fontAlgn="base" latinLnBrk="0" hangingPunct="1">
+              <a:lnSpc>
+                <a:spcPct val="80000"/>
+              </a:lnSpc>
+              <a:spcBef>
+                <a:spcPct val="0"/>
+              </a:spcBef>
+              <a:spcAft>
+                <a:spcPct val="0"/>
+              </a:spcAft>
+              <a:buClrTx/>
+              <a:buSzTx/>
+              <a:buFontTx/>
+              <a:buNone/>
+              <a:tabLst/>
+            </a:pPr>
+            <a:r>
+              <a:rPr lang="en-US" altLang="zh-CN" b="1" dirty="0" smtClean="0">
+                <a:solidFill>
+                  <a:schemeClr val="bg1"/>
+                </a:solidFill>
+                <a:latin typeface="+mj-lt"/>
+                <a:ea typeface="华文楷体" panose="02010600040101010101" pitchFamily="2" charset="-122"/>
+              </a:rPr>
+              <a:t>Some of the reason</a:t>
+            </a:r>
+            <a:endParaRPr kumimoji="0" lang="zh-CN" altLang="en-US" b="1" i="0" u="none" strike="noStrike" cap="none" normalizeH="0" baseline="0" dirty="0" smtClean="0">
+              <a:ln>
+                <a:noFill/>
+              </a:ln>
+              <a:solidFill>
+                <a:schemeClr val="bg1"/>
+              </a:solidFill>
+              <a:effectLst/>
+              <a:latin typeface="+mj-lt"/>
+              <a:ea typeface="华文楷体" panose="02010600040101010101" pitchFamily="2" charset="-122"/>
+            </a:endParaRPr>
+          </a:p>
+        </p:txBody>
+      </p:sp>
+      <p:sp>
+        <p:nvSpPr>
+          <p:cNvPr id="7" name="Rectangle 14"/>
+          <p:cNvSpPr/>
+          <p:nvPr/>
+        </p:nvSpPr>
+        <p:spPr bwMode="auto">
+          <a:xfrm>
+            <a:off x="272977" y="3088113"/>
+            <a:ext cx="2001860" cy="575761"/>
+          </a:xfrm>
+          <a:prstGeom prst="rect">
+            <a:avLst/>
+          </a:prstGeom>
+          <a:solidFill>
+            <a:schemeClr val="accent1"/>
+          </a:solidFill>
+          <a:ln w="9525" cap="flat" cmpd="sng" algn="ctr">
+            <a:noFill/>
+            <a:prstDash val="solid"/>
+            <a:round/>
+            <a:headEnd type="none" w="med" len="med"/>
+            <a:tailEnd type="triangle" w="med" len="med"/>
+          </a:ln>
+          <a:effectLst/>
+        </p:spPr>
+        <p:txBody>
+          <a:bodyPr vert="horz" wrap="square" lIns="0" tIns="0" rIns="0" bIns="0" numCol="1" rtlCol="0" anchor="ctr" anchorCtr="0" compatLnSpc="1">
+            <a:prstTxWarp prst="textNoShape">
+              <a:avLst/>
+            </a:prstTxWarp>
+          </a:bodyPr>
+          <a:lstStyle/>
+          <a:p>
+            <a:pPr marL="0" marR="0" indent="0" algn="ctr" defTabSz="995363" rtl="0" eaLnBrk="1" fontAlgn="base" latinLnBrk="0" hangingPunct="1">
+              <a:lnSpc>
+                <a:spcPct val="80000"/>
+              </a:lnSpc>
+              <a:spcBef>
+                <a:spcPct val="0"/>
+              </a:spcBef>
+              <a:spcAft>
+                <a:spcPct val="0"/>
+              </a:spcAft>
+              <a:buClrTx/>
+              <a:buSzTx/>
+              <a:buFontTx/>
+              <a:buNone/>
+              <a:tabLst/>
+            </a:pPr>
+            <a:r>
+              <a:rPr lang="en-US" altLang="zh-CN" b="1" dirty="0" smtClean="0">
+                <a:solidFill>
+                  <a:schemeClr val="bg1"/>
+                </a:solidFill>
+                <a:latin typeface="+mj-lt"/>
+                <a:ea typeface="华文楷体" panose="02010600040101010101" pitchFamily="2" charset="-122"/>
+              </a:rPr>
+              <a:t>Discussion</a:t>
+            </a:r>
+            <a:endParaRPr kumimoji="0" lang="zh-CN" altLang="en-US" b="1" i="0" u="none" strike="noStrike" cap="none" normalizeH="0" baseline="0" dirty="0" smtClean="0">
+              <a:ln>
+                <a:noFill/>
+              </a:ln>
+              <a:solidFill>
+                <a:schemeClr val="bg1"/>
+              </a:solidFill>
+              <a:effectLst/>
+              <a:latin typeface="+mj-lt"/>
+              <a:ea typeface="华文楷体" panose="02010600040101010101" pitchFamily="2" charset="-122"/>
+            </a:endParaRPr>
+          </a:p>
+        </p:txBody>
+      </p:sp>
+      <p:sp>
+        <p:nvSpPr>
+          <p:cNvPr id="8" name="TextBox 15"/>
+          <p:cNvSpPr txBox="1"/>
+          <p:nvPr/>
+        </p:nvSpPr>
+        <p:spPr>
+          <a:xfrm>
+            <a:off x="2519329" y="3079098"/>
+            <a:ext cx="6382550" cy="584776"/>
+          </a:xfrm>
+          <a:prstGeom prst="rect">
+            <a:avLst/>
+          </a:prstGeom>
+          <a:noFill/>
+        </p:spPr>
+        <p:txBody>
+          <a:bodyPr wrap="square" rtlCol="0">
+            <a:spAutoFit/>
+          </a:bodyPr>
+          <a:lstStyle/>
+          <a:p>
+            <a:pPr marL="285750" indent="-285750">
+              <a:buFont typeface="Arial" panose="020B0604020202020204" pitchFamily="34" charset="0"/>
+              <a:buChar char="•"/>
+            </a:pPr>
+            <a:r>
+              <a:rPr lang="en-US" sz="1600" dirty="0" smtClean="0">
+                <a:latin typeface="+mj-lt"/>
+                <a:ea typeface="华文楷体" panose="02010600040101010101" pitchFamily="2" charset="-122"/>
+              </a:rPr>
+              <a:t>It clear to see that the model build by natural language processing is quite lack of predicting ability</a:t>
+            </a:r>
+          </a:p>
+        </p:txBody>
+      </p:sp>
+      <p:sp>
+        <p:nvSpPr>
+          <p:cNvPr id="9" name="文本框 8"/>
           <p:cNvSpPr txBox="1"/>
           <p:nvPr/>
         </p:nvSpPr>
@@ -21014,33 +21770,55 @@
           <a:lstStyle/>
           <a:p>
             <a:r>
-              <a:rPr kumimoji="1" lang="en-US" altLang="zh-CN" sz="1200" dirty="0" smtClean="0">
+              <a:rPr kumimoji="1" lang="en-US" altLang="zh-CN" sz="1200" dirty="0">
                 <a:solidFill>
                   <a:srgbClr val="7F7F7F"/>
                 </a:solidFill>
               </a:rPr>
-              <a:t>*Full code can be found in the R file attached</a:t>
-            </a:r>
+              <a:t>*http://</a:t>
+            </a:r>
+            <a:r>
+              <a:rPr kumimoji="1" lang="en-US" altLang="zh-CN" sz="1200" dirty="0" err="1">
+                <a:solidFill>
+                  <a:srgbClr val="7F7F7F"/>
+                </a:solidFill>
+              </a:rPr>
+              <a:t>www.investopedia.com</a:t>
+            </a:r>
+            <a:r>
+              <a:rPr kumimoji="1" lang="en-US" altLang="zh-CN" sz="1200" dirty="0">
+                <a:solidFill>
+                  <a:srgbClr val="7F7F7F"/>
+                </a:solidFill>
+              </a:rPr>
+              <a:t>/articles/active-trading/111313/how-trade-</a:t>
+            </a:r>
+            <a:r>
+              <a:rPr kumimoji="1" lang="en-US" altLang="zh-CN" sz="1200" dirty="0" err="1">
+                <a:solidFill>
+                  <a:srgbClr val="7F7F7F"/>
+                </a:solidFill>
+              </a:rPr>
+              <a:t>news.asp</a:t>
+            </a:r>
+            <a:endParaRPr kumimoji="1" lang="en-US" altLang="zh-CN" sz="1200" dirty="0">
+              <a:solidFill>
+                <a:srgbClr val="7F7F7F"/>
+              </a:solidFill>
+            </a:endParaRPr>
           </a:p>
         </p:txBody>
       </p:sp>
     </p:spTree>
     <p:extLst>
       <p:ext uri="{BB962C8B-B14F-4D97-AF65-F5344CB8AC3E}">
-        <p14:creationId xmlns:p14="http://schemas.microsoft.com/office/powerpoint/2010/main" val="1866545542"/>
+        <p14:creationId xmlns:p14="http://schemas.microsoft.com/office/powerpoint/2010/main" val="174420253"/>
       </p:ext>
     </p:extLst>
   </p:cSld>
   <p:clrMapOvr>
     <a:masterClrMapping/>
   </p:clrMapOvr>
-  <p:timing>
-    <p:tnLst>
-      <p:par>
-        <p:cTn xmlns:p14="http://schemas.microsoft.com/office/powerpoint/2010/main" id="1" dur="indefinite" restart="never" nodeType="tmRoot"/>
-      </p:par>
-    </p:tnLst>
-  </p:timing>
 </p:sld>
 </file>
 
@@ -21393,9 +22171,6 @@
               </a:rPr>
               <a:t>85% accuracy, and better with NLP</a:t>
             </a:r>
-            <a:endParaRPr lang="en-US" sz="1600" dirty="0" smtClean="0">
-              <a:ea typeface="华文楷体" panose="02010600040101010101" pitchFamily="2" charset="-122"/>
-            </a:endParaRPr>
           </a:p>
           <a:p>
             <a:pPr marL="285750" indent="-285750">
@@ -21418,29 +22193,8 @@
               <a:rPr lang="en-US" sz="1600" dirty="0" smtClean="0">
                 <a:ea typeface="华文楷体" panose="02010600040101010101" pitchFamily="2" charset="-122"/>
               </a:rPr>
-              <a:t>GBM, SVM, NNET, RF, Logistic,</a:t>
-            </a:r>
-            <a:r>
-              <a:rPr lang="en-US" sz="1600" dirty="0" smtClean="0">
-                <a:ea typeface="华文楷体" panose="02010600040101010101" pitchFamily="2" charset="-122"/>
-              </a:rPr>
-              <a:t> Random </a:t>
-            </a:r>
-            <a:r>
-              <a:rPr lang="en-US" sz="1600" dirty="0" smtClean="0">
-                <a:ea typeface="华文楷体" panose="02010600040101010101" pitchFamily="2" charset="-122"/>
-              </a:rPr>
-              <a:t>forest gives us the best among all of </a:t>
-            </a:r>
-            <a:r>
-              <a:rPr lang="en-US" sz="1600" dirty="0" smtClean="0">
-                <a:ea typeface="华文楷体" panose="02010600040101010101" pitchFamily="2" charset="-122"/>
-              </a:rPr>
-              <a:t>them</a:t>
-            </a:r>
-            <a:endParaRPr lang="en-US" sz="1600" dirty="0" smtClean="0">
-              <a:ea typeface="华文楷体" panose="02010600040101010101" pitchFamily="2" charset="-122"/>
-            </a:endParaRPr>
+              <a:t>GBM, SVM, NNET, RF, Logistic, Random forest gives us the best among all of them</a:t>
+            </a:r>
           </a:p>
           <a:p>
             <a:pPr marL="285750" indent="-285750">
@@ -21487,13 +22241,7 @@
               <a:rPr lang="en-US" sz="1600" dirty="0" smtClean="0">
                 <a:ea typeface="华文楷体" panose="02010600040101010101" pitchFamily="2" charset="-122"/>
               </a:rPr>
-              <a:t>data (portfolio and index</a:t>
-            </a:r>
-            <a:r>
-              <a:rPr lang="en-US" sz="1600" dirty="0" smtClean="0">
-                <a:ea typeface="华文楷体" panose="02010600040101010101" pitchFamily="2" charset="-122"/>
-              </a:rPr>
-              <a:t>)</a:t>
+              <a:t>data (portfolio and index)</a:t>
             </a:r>
           </a:p>
           <a:p>
@@ -22717,6 +23465,10 @@
           </a:bodyPr>
           <a:lstStyle/>
           <a:p>
+            <a:pPr marL="285750" indent="-285750">
+              <a:buFont typeface="Arial"/>
+              <a:buChar char="•"/>
+            </a:pPr>
             <a:r>
               <a:rPr lang="en-US" altLang="zh-CN" sz="1600" dirty="0" smtClean="0">
                 <a:latin typeface="+mj-lt"/>
@@ -22729,24 +23481,31 @@
                 <a:latin typeface="+mj-lt"/>
                 <a:ea typeface="华文楷体" panose="02010600040101010101" pitchFamily="2" charset="-122"/>
               </a:rPr>
-              <a:t>combined core value of 8 published articles related to Earnings Release and improve it with machine learning strategy. </a:t>
+              <a:t>combined core value of 8 published articles related to Earnings Release and improve it with machine learning strategy. Finally, we got two models: </a:t>
+            </a:r>
+            <a:endParaRPr lang="en-US" altLang="zh-CN" sz="1600" dirty="0" smtClean="0">
+              <a:latin typeface="+mj-lt"/>
+              <a:ea typeface="华文楷体" panose="02010600040101010101" pitchFamily="2" charset="-122"/>
+            </a:endParaRPr>
+          </a:p>
+          <a:p>
+            <a:pPr marL="742950" lvl="1" indent="-285750">
+              <a:buFont typeface="Arial"/>
+              <a:buChar char="•"/>
+            </a:pPr>
+            <a:r>
+              <a:rPr lang="en-US" altLang="zh-CN" sz="1600" dirty="0" smtClean="0">
+                <a:latin typeface="+mj-lt"/>
+                <a:ea typeface="华文楷体" panose="02010600040101010101" pitchFamily="2" charset="-122"/>
+              </a:rPr>
+              <a:t>long</a:t>
             </a:r>
             <a:r>
               <a:rPr lang="en-US" altLang="zh-CN" sz="1600" dirty="0">
                 <a:latin typeface="+mj-lt"/>
                 <a:ea typeface="华文楷体" panose="02010600040101010101" pitchFamily="2" charset="-122"/>
               </a:rPr>
-              <a:t>Finally, we got two models: </a:t>
-            </a:r>
-          </a:p>
-          <a:p>
-            <a:pPr lvl="1"/>
-            <a:r>
-              <a:rPr lang="en-US" altLang="zh-CN" sz="1600" dirty="0">
-                <a:latin typeface="+mj-lt"/>
-                <a:ea typeface="华文楷体" panose="02010600040101010101" pitchFamily="2" charset="-122"/>
-              </a:rPr>
-              <a:t>long-before earning </a:t>
+              <a:t>-before earning </a:t>
             </a:r>
             <a:r>
               <a:rPr lang="en-US" altLang="zh-CN" sz="1600" dirty="0" smtClean="0">
@@ -22761,7 +23520,10 @@
             </a:endParaRPr>
           </a:p>
           <a:p>
-            <a:pPr lvl="1"/>
+            <a:pPr marL="742950" lvl="1" indent="-285750">
+              <a:buFont typeface="Arial"/>
+              <a:buChar char="•"/>
+            </a:pPr>
             <a:r>
               <a:rPr lang="en-US" altLang="zh-CN" sz="1600" dirty="0" smtClean="0">
                 <a:latin typeface="+mj-lt"/>
@@ -22798,21 +23560,43 @@
             </a:r>
           </a:p>
           <a:p>
+            <a:pPr marL="285750" indent="-285750">
+              <a:buFont typeface="Arial"/>
+              <a:buChar char="•"/>
+            </a:pPr>
             <a:r>
               <a:rPr lang="en-US" altLang="zh-CN" sz="1600" dirty="0">
                 <a:latin typeface="+mj-lt"/>
                 <a:ea typeface="华文楷体" panose="02010600040101010101" pitchFamily="2" charset="-122"/>
               </a:rPr>
-              <a:t>The model is based on one assumption:</a:t>
-            </a:r>
-          </a:p>
-          <a:p>
+              <a:t>The model is based on one </a:t>
+            </a:r>
+            <a:r>
+              <a:rPr lang="en-US" altLang="zh-CN" sz="1600" dirty="0" smtClean="0">
+                <a:latin typeface="+mj-lt"/>
+                <a:ea typeface="华文楷体" panose="02010600040101010101" pitchFamily="2" charset="-122"/>
+              </a:rPr>
+              <a:t>assumption:</a:t>
+            </a:r>
+          </a:p>
+          <a:p>
+            <a:pPr marL="742950" lvl="1" indent="-285750">
+              <a:buFont typeface="Arial"/>
+              <a:buChar char="•"/>
+            </a:pPr>
+            <a:r>
+              <a:rPr lang="en-US" altLang="zh-CN" sz="1600" dirty="0" smtClean="0">
+                <a:latin typeface="+mj-lt"/>
+                <a:ea typeface="华文楷体" panose="02010600040101010101" pitchFamily="2" charset="-122"/>
+              </a:rPr>
+              <a:t>Before </a:t>
+            </a:r>
             <a:r>
               <a:rPr lang="en-US" altLang="zh-CN" sz="1600" dirty="0">
                 <a:latin typeface="+mj-lt"/>
                 <a:ea typeface="华文楷体" panose="02010600040101010101" pitchFamily="2" charset="-122"/>
               </a:rPr>
-              <a:t>Before earning release, stocks with strong momentum will attract people to buy since people believe that the Earnings Report exceed expectations, the price will increase in a short period. And after earning release, some people will cash in and the price will drop in a short period. In summary, long before Earning release, short after it.</a:t>
+              <a:t>earning release, stocks with strong momentum will attract people to buy since people believe that the Earnings Report exceed expectations, the price will increase in a short period. And after earning release, some people will cash in and the price will drop in a short period. In summary, long before Earning release, short after it.</a:t>
             </a:r>
           </a:p>
           <a:p>
@@ -22825,19 +23609,16 @@
             </a:r>
           </a:p>
           <a:p>
+            <a:pPr marL="285750" indent="-285750">
+              <a:buFont typeface="Arial"/>
+              <a:buChar char="•"/>
+            </a:pPr>
             <a:r>
               <a:rPr lang="en-US" altLang="zh-CN" sz="1600" dirty="0">
                 <a:latin typeface="+mj-lt"/>
                 <a:ea typeface="华文楷体" panose="02010600040101010101" pitchFamily="2" charset="-122"/>
               </a:rPr>
-              <a:t>Our model could tell you, if you long the stock before earning announcement, whether you could a positive return. </a:t>
-            </a:r>
-            <a:r>
-              <a:rPr lang="en-US" altLang="zh-CN" sz="1600" dirty="0">
-                <a:latin typeface="+mj-lt"/>
-                <a:ea typeface="华文楷体" panose="02010600040101010101" pitchFamily="2" charset="-122"/>
-              </a:rPr>
-              <a:t>If you short the stock after earning announcement, whether you could get a positive return</a:t>
+              <a:t>Our model could tell you, if you long the stock before earning announcement, whether you could a positive return. If you short the stock after earning announcement, whether you could get a positive return</a:t>
             </a:r>
             <a:r>
               <a:rPr lang="en-US" altLang="zh-CN" sz="1600" dirty="0" smtClean="0">
@@ -22861,19 +23642,23 @@
             </a:r>
           </a:p>
           <a:p>
+            <a:pPr marL="342900" indent="-342900">
+              <a:buFont typeface="+mj-lt"/>
+              <a:buAutoNum type="arabicPeriod"/>
+            </a:pPr>
+            <a:r>
+              <a:rPr lang="en-US" altLang="zh-CN" sz="1600" dirty="0" smtClean="0">
+                <a:latin typeface="+mj-lt"/>
+                <a:ea typeface="华文楷体" panose="02010600040101010101" pitchFamily="2" charset="-122"/>
+              </a:rPr>
+              <a:t>Initially</a:t>
+            </a:r>
             <a:r>
               <a:rPr lang="en-US" altLang="zh-CN" sz="1600" dirty="0">
                 <a:latin typeface="+mj-lt"/>
                 <a:ea typeface="华文楷体" panose="02010600040101010101" pitchFamily="2" charset="-122"/>
               </a:rPr>
-              <a:t>1. </a:t>
-            </a:r>
-            <a:r>
-              <a:rPr lang="en-US" altLang="zh-CN" sz="1600" dirty="0">
-                <a:latin typeface="+mj-lt"/>
-                <a:ea typeface="华文楷体" panose="02010600040101010101" pitchFamily="2" charset="-122"/>
-              </a:rPr>
-              <a:t>Initially, we use 1000 stocks data in 10 years, got 963 K observation and use forward stepwise to select the most important two factors which are </a:t>
+              <a:t>, we use 1000 stocks data in 10 years, got 963 K observation and use forward stepwise to select the most important two factors which are </a:t>
             </a:r>
             <a:r>
               <a:rPr lang="en-US" altLang="zh-CN" sz="1600" dirty="0" smtClean="0">
@@ -22891,19 +23676,23 @@
             </a:r>
           </a:p>
           <a:p>
+            <a:pPr marL="342900" indent="-342900">
+              <a:buFont typeface="+mj-lt"/>
+              <a:buAutoNum type="arabicPeriod"/>
+            </a:pPr>
+            <a:r>
+              <a:rPr lang="en-US" altLang="zh-CN" sz="1600" dirty="0" smtClean="0">
+                <a:latin typeface="+mj-lt"/>
+                <a:ea typeface="华文楷体" panose="02010600040101010101" pitchFamily="2" charset="-122"/>
+              </a:rPr>
+              <a:t>Based </a:t>
+            </a:r>
             <a:r>
               <a:rPr lang="en-US" altLang="zh-CN" sz="1600" dirty="0">
                 <a:latin typeface="+mj-lt"/>
                 <a:ea typeface="华文楷体" panose="02010600040101010101" pitchFamily="2" charset="-122"/>
               </a:rPr>
-              <a:t>2. </a:t>
-            </a:r>
-            <a:r>
-              <a:rPr lang="en-US" altLang="zh-CN" sz="1600" dirty="0">
-                <a:latin typeface="+mj-lt"/>
-                <a:ea typeface="华文楷体" panose="02010600040101010101" pitchFamily="2" charset="-122"/>
-              </a:rPr>
-              <a:t>Based on the pattern we found in step 1, we selected fewer observations and use machine learning model to do classification and got 0.88 accurate rate with Random Forest</a:t>
+              <a:t>on the pattern we found in step 1, we selected fewer observations and use machine learning model to do classification and got 0.88 accurate rate with Random Forest</a:t>
             </a:r>
             <a:r>
               <a:rPr lang="en-US" altLang="zh-CN" sz="1600" dirty="0" smtClean="0">
@@ -23250,21 +24039,7 @@
                 <a:latin typeface="+mj-lt"/>
                 <a:ea typeface="华文楷体" panose="02010600040101010101" pitchFamily="2" charset="-122"/>
               </a:rPr>
-              <a:t>Using more than </a:t>
-            </a:r>
-            <a:r>
-              <a:rPr lang="en-US" altLang="zh-CN" sz="1600" dirty="0" smtClean="0">
-                <a:latin typeface="+mj-lt"/>
-                <a:ea typeface="华文楷体" panose="02010600040101010101" pitchFamily="2" charset="-122"/>
-              </a:rPr>
-              <a:t>39k+ </a:t>
-            </a:r>
-            <a:r>
-              <a:rPr lang="en-US" altLang="zh-CN" sz="1600" dirty="0" smtClean="0">
-                <a:latin typeface="+mj-lt"/>
-                <a:ea typeface="华文楷体" panose="02010600040101010101" pitchFamily="2" charset="-122"/>
-              </a:rPr>
-              <a:t>entries</a:t>
+              <a:t>Using more than 39k+ entries</a:t>
             </a:r>
           </a:p>
           <a:p>
@@ -23279,10 +24054,6 @@
               </a:rPr>
               <a:t>Including financial fundamental information </a:t>
             </a:r>
-            <a:endParaRPr lang="en-US" altLang="zh-CN" sz="1600" dirty="0" smtClean="0">
-              <a:latin typeface="+mj-lt"/>
-              <a:ea typeface="华文楷体" panose="02010600040101010101" pitchFamily="2" charset="-122"/>
-            </a:endParaRPr>
           </a:p>
           <a:p>
             <a:pPr marL="285750" indent="-285750">
@@ -23296,10 +24067,6 @@
               </a:rPr>
               <a:t>This is the reason there are so many NA, and too dirty the data set</a:t>
             </a:r>
-            <a:endParaRPr lang="en-US" altLang="zh-CN" sz="1600" dirty="0" smtClean="0">
-              <a:latin typeface="+mj-lt"/>
-              <a:ea typeface="华文楷体" panose="02010600040101010101" pitchFamily="2" charset="-122"/>
-            </a:endParaRPr>
           </a:p>
         </p:txBody>
       </p:sp>
@@ -24645,52 +25412,20 @@
                 <a:latin typeface="+mj-lt"/>
                 <a:ea typeface="华文楷体" panose="02010600040101010101" pitchFamily="2" charset="-122"/>
               </a:rPr>
-              <a:t>Data source: Using </a:t>
-            </a:r>
+              <a:t>Data source: Using Bloomberg, Scraping techniques</a:t>
+            </a:r>
+          </a:p>
+          <a:p>
+            <a:pPr marL="285750" indent="-285750">
+              <a:buFont typeface="Arial" panose="020B0604020202020204" pitchFamily="34" charset="0"/>
+              <a:buChar char="•"/>
+            </a:pPr>
             <a:r>
               <a:rPr lang="en-US" altLang="zh-CN" sz="1600" dirty="0" smtClean="0">
                 <a:latin typeface="+mj-lt"/>
                 <a:ea typeface="华文楷体" panose="02010600040101010101" pitchFamily="2" charset="-122"/>
               </a:rPr>
-              <a:t>Bloomberg, </a:t>
-            </a:r>
-            <a:r>
-              <a:rPr lang="en-US" altLang="zh-CN" sz="1600" dirty="0" smtClean="0">
-                <a:latin typeface="+mj-lt"/>
-                <a:ea typeface="华文楷体" panose="02010600040101010101" pitchFamily="2" charset="-122"/>
-              </a:rPr>
-              <a:t>Scraping </a:t>
-            </a:r>
-            <a:r>
-              <a:rPr lang="en-US" altLang="zh-CN" sz="1600" dirty="0" smtClean="0">
-                <a:latin typeface="+mj-lt"/>
-                <a:ea typeface="华文楷体" panose="02010600040101010101" pitchFamily="2" charset="-122"/>
-              </a:rPr>
-              <a:t>techniques</a:t>
-            </a:r>
-            <a:endParaRPr lang="en-US" altLang="zh-CN" sz="1600" dirty="0" smtClean="0">
-              <a:latin typeface="+mj-lt"/>
-              <a:ea typeface="华文楷体" panose="02010600040101010101" pitchFamily="2" charset="-122"/>
-            </a:endParaRPr>
-          </a:p>
-          <a:p>
-            <a:pPr marL="285750" indent="-285750">
-              <a:buFont typeface="Arial" panose="020B0604020202020204" pitchFamily="34" charset="0"/>
-              <a:buChar char="•"/>
-            </a:pPr>
-            <a:r>
-              <a:rPr lang="en-US" altLang="zh-CN" sz="1600" dirty="0" smtClean="0">
-                <a:latin typeface="+mj-lt"/>
-                <a:ea typeface="华文楷体" panose="02010600040101010101" pitchFamily="2" charset="-122"/>
-              </a:rPr>
-              <a:t>Size: including financial data 39034 entries (based on the volatility, choose the most volatility ones), news related txt </a:t>
-            </a:r>
-            <a:r>
-              <a:rPr lang="en-US" altLang="zh-CN" sz="1600" dirty="0" smtClean="0">
-                <a:latin typeface="+mj-lt"/>
-                <a:ea typeface="华文楷体" panose="02010600040101010101" pitchFamily="2" charset="-122"/>
-              </a:rPr>
-              <a:t>files</a:t>
+              <a:t>Size: including financial data 39034 entries (based on the volatility, choose the most volatility ones), news related txt files</a:t>
             </a:r>
           </a:p>
           <a:p>
@@ -24705,10 +25440,6 @@
               </a:rPr>
               <a:t>Size: 9 files with a total size of 150 MB</a:t>
             </a:r>
-            <a:endParaRPr lang="en-US" altLang="zh-CN" sz="1600" dirty="0" smtClean="0">
-              <a:latin typeface="+mj-lt"/>
-              <a:ea typeface="华文楷体" panose="02010600040101010101" pitchFamily="2" charset="-122"/>
-            </a:endParaRPr>
           </a:p>
         </p:txBody>
       </p:sp>
@@ -25264,14 +25995,7 @@
                 <a:latin typeface="+mj-lt"/>
                 <a:ea typeface="华文楷体" panose="02010600040101010101" pitchFamily="2" charset="-122"/>
               </a:rPr>
-              <a:t>After comparing some subset of the stocks, we decided to pick up a most sensitive, also known as </a:t>
-            </a:r>
-            <a:r>
-              <a:rPr lang="en-US" altLang="zh-CN" sz="1600" dirty="0" smtClean="0">
-                <a:latin typeface="+mj-lt"/>
-                <a:ea typeface="华文楷体" panose="02010600040101010101" pitchFamily="2" charset="-122"/>
-              </a:rPr>
-              <a:t>influential</a:t>
+              <a:t>After comparing some subset of the stocks, we decided to pick up a most sensitive, also known as influential</a:t>
             </a:r>
           </a:p>
           <a:p>
@@ -25330,10 +26054,6 @@
               </a:rPr>
               <a:t>Choose stocks based on those two criteria, limited our sample size, so we focused on the Momentum</a:t>
             </a:r>
-            <a:endParaRPr lang="en-US" altLang="zh-CN" sz="1600" dirty="0" smtClean="0">
-              <a:latin typeface="+mj-lt"/>
-              <a:ea typeface="华文楷体" panose="02010600040101010101" pitchFamily="2" charset="-122"/>
-            </a:endParaRPr>
           </a:p>
           <a:p>
             <a:pPr marL="285750" indent="-285750">
@@ -25345,21 +26065,7 @@
                 <a:latin typeface="+mj-lt"/>
                 <a:ea typeface="华文楷体" panose="02010600040101010101" pitchFamily="2" charset="-122"/>
               </a:rPr>
-              <a:t>We </a:t>
-            </a:r>
-            <a:r>
-              <a:rPr lang="en-US" altLang="zh-CN" sz="1600" dirty="0" smtClean="0">
-                <a:latin typeface="+mj-lt"/>
-                <a:ea typeface="华文楷体" panose="02010600040101010101" pitchFamily="2" charset="-122"/>
-              </a:rPr>
-              <a:t>choose most momentum stocks</a:t>
-            </a:r>
-            <a:r>
-              <a:rPr lang="en-US" altLang="zh-CN" sz="1600" dirty="0" smtClean="0">
-                <a:latin typeface="+mj-lt"/>
-                <a:ea typeface="华文楷体" panose="02010600040101010101" pitchFamily="2" charset="-122"/>
-              </a:rPr>
-              <a:t>!</a:t>
+              <a:t>We choose most momentum stocks!</a:t>
             </a:r>
           </a:p>
         </p:txBody>
@@ -25426,21 +26132,7 @@
                 <a:latin typeface="+mj-lt"/>
                 <a:ea typeface="华文楷体" panose="02010600040101010101" pitchFamily="2" charset="-122"/>
               </a:rPr>
-              <a:t>Major </a:t>
-            </a:r>
-            <a:r>
-              <a:rPr kumimoji="0" lang="en-US" altLang="zh-CN" b="1" i="0" u="none" strike="noStrike" cap="none" normalizeH="0" baseline="0" dirty="0" smtClean="0">
-                <a:ln>
-                  <a:noFill/>
-                </a:ln>
-                <a:solidFill>
-                  <a:schemeClr val="bg1"/>
-                </a:solidFill>
-                <a:effectLst/>
-                <a:latin typeface="+mj-lt"/>
-                <a:ea typeface="华文楷体" panose="02010600040101010101" pitchFamily="2" charset="-122"/>
-              </a:rPr>
-              <a:t>strategies</a:t>
+              <a:t>Major strategies</a:t>
             </a:r>
             <a:endParaRPr kumimoji="0" lang="zh-CN" altLang="en-US" b="1" i="0" u="none" strike="noStrike" cap="none" normalizeH="0" baseline="0" dirty="0" smtClean="0">
               <a:ln>
@@ -25487,21 +26179,7 @@
                 <a:latin typeface="+mj-lt"/>
                 <a:ea typeface="华文楷体" panose="02010600040101010101" pitchFamily="2" charset="-122"/>
               </a:rPr>
-              <a:t>Long </a:t>
-            </a:r>
-            <a:r>
-              <a:rPr lang="en-US" altLang="zh-CN" sz="1600" dirty="0" smtClean="0">
-                <a:latin typeface="+mj-lt"/>
-                <a:ea typeface="华文楷体" panose="02010600040101010101" pitchFamily="2" charset="-122"/>
-              </a:rPr>
-              <a:t>VS</a:t>
-            </a:r>
-            <a:r>
-              <a:rPr lang="en-US" altLang="zh-CN" sz="1600" dirty="0" smtClean="0">
-                <a:latin typeface="+mj-lt"/>
-                <a:ea typeface="华文楷体" panose="02010600040101010101" pitchFamily="2" charset="-122"/>
-              </a:rPr>
-              <a:t> Short</a:t>
+              <a:t>Long VS Short</a:t>
             </a:r>
             <a:endParaRPr lang="en-US" altLang="zh-CN" sz="1600" dirty="0">
               <a:latin typeface="+mj-lt"/>
@@ -25851,15 +26529,7 @@
                   <a:srgbClr val="7F7F7F"/>
                 </a:solidFill>
               </a:rPr>
-              <a:t>file (Main) </a:t>
-            </a:r>
-            <a:r>
-              <a:rPr kumimoji="1" lang="en-US" altLang="zh-CN" sz="1200" dirty="0" smtClean="0">
-                <a:solidFill>
-                  <a:srgbClr val="7F7F7F"/>
-                </a:solidFill>
-              </a:rPr>
-              <a:t>in</a:t>
+              <a:t>file (Main) in</a:t>
             </a:r>
             <a:r>
               <a:rPr kumimoji="1" lang="zh-CN" altLang="en-US" sz="1200" dirty="0" smtClean="0">
@@ -25977,21 +26647,21 @@
                 <a:gridCol w="1219200">
                   <a:extLst>
                     <a:ext uri="{9D8B030D-6E8A-4147-A177-3AD203B41FA5}">
-                      <a16:colId xmlns:a16="http://schemas.microsoft.com/office/drawing/2014/main" xmlns="" val="3294817457"/>
+                      <a16:colId xmlns="" xmlns:a16="http://schemas.microsoft.com/office/drawing/2014/main" val="3294817457"/>
                     </a:ext>
                   </a:extLst>
                 </a:gridCol>
                 <a:gridCol w="1219200">
                   <a:extLst>
                     <a:ext uri="{9D8B030D-6E8A-4147-A177-3AD203B41FA5}">
-                      <a16:colId xmlns:a16="http://schemas.microsoft.com/office/drawing/2014/main" xmlns="" val="849155046"/>
+                      <a16:colId xmlns="" xmlns:a16="http://schemas.microsoft.com/office/drawing/2014/main" val="849155046"/>
                     </a:ext>
                   </a:extLst>
                 </a:gridCol>
                 <a:gridCol w="1219200">
                   <a:extLst>
                     <a:ext uri="{9D8B030D-6E8A-4147-A177-3AD203B41FA5}">
-                      <a16:colId xmlns:a16="http://schemas.microsoft.com/office/drawing/2014/main" xmlns="" val="410770417"/>
+                      <a16:colId xmlns="" xmlns:a16="http://schemas.microsoft.com/office/drawing/2014/main" val="410770417"/>
                     </a:ext>
                   </a:extLst>
                 </a:gridCol>
@@ -26062,7 +26732,7 @@
                 </a:tc>
                 <a:extLst>
                   <a:ext uri="{0D108BD9-81ED-4DB2-BD59-A6C34878D82A}">
-                    <a16:rowId xmlns:a16="http://schemas.microsoft.com/office/drawing/2014/main" xmlns="" val="1593890090"/>
+                    <a16:rowId xmlns="" xmlns:a16="http://schemas.microsoft.com/office/drawing/2014/main" val="1593890090"/>
                   </a:ext>
                 </a:extLst>
               </a:tr>
@@ -26115,7 +26785,7 @@
                 </a:tc>
                 <a:extLst>
                   <a:ext uri="{0D108BD9-81ED-4DB2-BD59-A6C34878D82A}">
-                    <a16:rowId xmlns:a16="http://schemas.microsoft.com/office/drawing/2014/main" xmlns="" val="946134365"/>
+                    <a16:rowId xmlns="" xmlns:a16="http://schemas.microsoft.com/office/drawing/2014/main" val="946134365"/>
                   </a:ext>
                 </a:extLst>
               </a:tr>
@@ -26164,7 +26834,7 @@
                 </a:tc>
                 <a:extLst>
                   <a:ext uri="{0D108BD9-81ED-4DB2-BD59-A6C34878D82A}">
-                    <a16:rowId xmlns:a16="http://schemas.microsoft.com/office/drawing/2014/main" xmlns="" val="4288745997"/>
+                    <a16:rowId xmlns="" xmlns:a16="http://schemas.microsoft.com/office/drawing/2014/main" val="4288745997"/>
                   </a:ext>
                 </a:extLst>
               </a:tr>
@@ -26213,7 +26883,7 @@
                 </a:tc>
                 <a:extLst>
                   <a:ext uri="{0D108BD9-81ED-4DB2-BD59-A6C34878D82A}">
-                    <a16:rowId xmlns:a16="http://schemas.microsoft.com/office/drawing/2014/main" xmlns="" val="2438900962"/>
+                    <a16:rowId xmlns="" xmlns:a16="http://schemas.microsoft.com/office/drawing/2014/main" val="2438900962"/>
                   </a:ext>
                 </a:extLst>
               </a:tr>
@@ -26262,7 +26932,7 @@
                 </a:tc>
                 <a:extLst>
                   <a:ext uri="{0D108BD9-81ED-4DB2-BD59-A6C34878D82A}">
-                    <a16:rowId xmlns:a16="http://schemas.microsoft.com/office/drawing/2014/main" xmlns="" val="3104407872"/>
+                    <a16:rowId xmlns="" xmlns:a16="http://schemas.microsoft.com/office/drawing/2014/main" val="3104407872"/>
                   </a:ext>
                 </a:extLst>
               </a:tr>
@@ -26311,7 +26981,7 @@
                 </a:tc>
                 <a:extLst>
                   <a:ext uri="{0D108BD9-81ED-4DB2-BD59-A6C34878D82A}">
-                    <a16:rowId xmlns:a16="http://schemas.microsoft.com/office/drawing/2014/main" xmlns="" val="3715727964"/>
+                    <a16:rowId xmlns="" xmlns:a16="http://schemas.microsoft.com/office/drawing/2014/main" val="3715727964"/>
                   </a:ext>
                 </a:extLst>
               </a:tr>
@@ -26364,7 +27034,7 @@
                 </a:tc>
                 <a:extLst>
                   <a:ext uri="{0D108BD9-81ED-4DB2-BD59-A6C34878D82A}">
-                    <a16:rowId xmlns:a16="http://schemas.microsoft.com/office/drawing/2014/main" xmlns="" val="2508182571"/>
+                    <a16:rowId xmlns="" xmlns:a16="http://schemas.microsoft.com/office/drawing/2014/main" val="2508182571"/>
                   </a:ext>
                 </a:extLst>
               </a:tr>
@@ -26413,7 +27083,7 @@
                 </a:tc>
                 <a:extLst>
                   <a:ext uri="{0D108BD9-81ED-4DB2-BD59-A6C34878D82A}">
-                    <a16:rowId xmlns:a16="http://schemas.microsoft.com/office/drawing/2014/main" xmlns="" val="3693462046"/>
+                    <a16:rowId xmlns="" xmlns:a16="http://schemas.microsoft.com/office/drawing/2014/main" val="3693462046"/>
                   </a:ext>
                 </a:extLst>
               </a:tr>
@@ -26462,7 +27132,7 @@
                 </a:tc>
                 <a:extLst>
                   <a:ext uri="{0D108BD9-81ED-4DB2-BD59-A6C34878D82A}">
-                    <a16:rowId xmlns:a16="http://schemas.microsoft.com/office/drawing/2014/main" xmlns="" val="1962524028"/>
+                    <a16:rowId xmlns="" xmlns:a16="http://schemas.microsoft.com/office/drawing/2014/main" val="1962524028"/>
                   </a:ext>
                 </a:extLst>
               </a:tr>
@@ -26511,7 +27181,7 @@
                 </a:tc>
                 <a:extLst>
                   <a:ext uri="{0D108BD9-81ED-4DB2-BD59-A6C34878D82A}">
-                    <a16:rowId xmlns:a16="http://schemas.microsoft.com/office/drawing/2014/main" xmlns="" val="3823783044"/>
+                    <a16:rowId xmlns="" xmlns:a16="http://schemas.microsoft.com/office/drawing/2014/main" val="3823783044"/>
                   </a:ext>
                 </a:extLst>
               </a:tr>
@@ -26560,7 +27230,7 @@
                 </a:tc>
                 <a:extLst>
                   <a:ext uri="{0D108BD9-81ED-4DB2-BD59-A6C34878D82A}">
-                    <a16:rowId xmlns:a16="http://schemas.microsoft.com/office/drawing/2014/main" xmlns="" val="2855713108"/>
+                    <a16:rowId xmlns="" xmlns:a16="http://schemas.microsoft.com/office/drawing/2014/main" val="2855713108"/>
                   </a:ext>
                 </a:extLst>
               </a:tr>
@@ -26609,7 +27279,7 @@
                 </a:tc>
                 <a:extLst>
                   <a:ext uri="{0D108BD9-81ED-4DB2-BD59-A6C34878D82A}">
-                    <a16:rowId xmlns:a16="http://schemas.microsoft.com/office/drawing/2014/main" xmlns="" val="1745101297"/>
+                    <a16:rowId xmlns="" xmlns:a16="http://schemas.microsoft.com/office/drawing/2014/main" val="1745101297"/>
                   </a:ext>
                 </a:extLst>
               </a:tr>
@@ -26995,14 +27665,7 @@
                 <a:latin typeface="+mj-lt"/>
                 <a:ea typeface="华文楷体" panose="02010600040101010101" pitchFamily="2" charset="-122"/>
               </a:rPr>
-              <a:t>     tuning on </a:t>
-            </a:r>
-            <a:r>
-              <a:rPr lang="en-US" altLang="zh-CN" sz="1600" dirty="0" smtClean="0">
-                <a:latin typeface="+mj-lt"/>
-                <a:ea typeface="华文楷体" panose="02010600040101010101" pitchFamily="2" charset="-122"/>
-              </a:rPr>
-              <a:t>bandwidth</a:t>
+              <a:t>     tuning on bandwidth</a:t>
             </a:r>
           </a:p>
           <a:p>
@@ -27053,28 +27716,7 @@
                 <a:latin typeface="+mj-lt"/>
                 <a:ea typeface="华文楷体" panose="02010600040101010101" pitchFamily="2" charset="-122"/>
               </a:rPr>
-              <a:t>We summarized the </a:t>
-            </a:r>
-            <a:r>
-              <a:rPr lang="en-US" altLang="zh-CN" sz="1600" dirty="0" smtClean="0">
-                <a:latin typeface="+mj-lt"/>
-                <a:ea typeface="华文楷体" panose="02010600040101010101" pitchFamily="2" charset="-122"/>
-              </a:rPr>
-              <a:t>prediction </a:t>
-            </a:r>
-            <a:r>
-              <a:rPr lang="en-US" altLang="zh-CN" sz="1600" dirty="0" smtClean="0">
-                <a:latin typeface="+mj-lt"/>
-                <a:ea typeface="华文楷体" panose="02010600040101010101" pitchFamily="2" charset="-122"/>
-              </a:rPr>
-              <a:t>accuracy on test data set and runtime </a:t>
-            </a:r>
-            <a:r>
-              <a:rPr lang="en-US" altLang="zh-CN" sz="1600" dirty="0" smtClean="0">
-                <a:latin typeface="+mj-lt"/>
-                <a:ea typeface="华文楷体" panose="02010600040101010101" pitchFamily="2" charset="-122"/>
-              </a:rPr>
-              <a:t>analysis</a:t>
+              <a:t>We summarized the prediction accuracy on test data set and runtime analysis</a:t>
             </a:r>
           </a:p>
           <a:p>
@@ -27099,10 +27741,6 @@
               </a:rPr>
               <a:t>The best result we can get is 82%! </a:t>
             </a:r>
-            <a:endParaRPr lang="en-US" altLang="zh-CN" sz="1600" dirty="0" smtClean="0">
-              <a:latin typeface="+mj-lt"/>
-              <a:ea typeface="华文楷体" panose="02010600040101010101" pitchFamily="2" charset="-122"/>
-            </a:endParaRPr>
           </a:p>
         </p:txBody>
       </p:sp>
@@ -27505,21 +28143,21 @@
                 <a:gridCol w="1661417">
                   <a:extLst>
                     <a:ext uri="{9D8B030D-6E8A-4147-A177-3AD203B41FA5}">
-                      <a16:colId xmlns:a16="http://schemas.microsoft.com/office/drawing/2014/main" xmlns="" val="312583748"/>
+                      <a16:colId xmlns="" xmlns:a16="http://schemas.microsoft.com/office/drawing/2014/main" val="312583748"/>
                     </a:ext>
                   </a:extLst>
                 </a:gridCol>
                 <a:gridCol w="1160594">
                   <a:extLst>
                     <a:ext uri="{9D8B030D-6E8A-4147-A177-3AD203B41FA5}">
-                      <a16:colId xmlns:a16="http://schemas.microsoft.com/office/drawing/2014/main" xmlns="" val="3220018061"/>
+                      <a16:colId xmlns="" xmlns:a16="http://schemas.microsoft.com/office/drawing/2014/main" val="3220018061"/>
                     </a:ext>
                   </a:extLst>
                 </a:gridCol>
                 <a:gridCol w="1160594">
                   <a:extLst>
                     <a:ext uri="{9D8B030D-6E8A-4147-A177-3AD203B41FA5}">
-                      <a16:colId xmlns:a16="http://schemas.microsoft.com/office/drawing/2014/main" xmlns="" val="1218622454"/>
+                      <a16:colId xmlns="" xmlns:a16="http://schemas.microsoft.com/office/drawing/2014/main" val="1218622454"/>
                     </a:ext>
                   </a:extLst>
                 </a:gridCol>
@@ -27614,7 +28252,7 @@
                 </a:tc>
                 <a:extLst>
                   <a:ext uri="{0D108BD9-81ED-4DB2-BD59-A6C34878D82A}">
-                    <a16:rowId xmlns:a16="http://schemas.microsoft.com/office/drawing/2014/main" xmlns="" val="2618440337"/>
+                    <a16:rowId xmlns="" xmlns:a16="http://schemas.microsoft.com/office/drawing/2014/main" val="2618440337"/>
                   </a:ext>
                 </a:extLst>
               </a:tr>
@@ -27712,7 +28350,7 @@
                 </a:tc>
                 <a:extLst>
                   <a:ext uri="{0D108BD9-81ED-4DB2-BD59-A6C34878D82A}">
-                    <a16:rowId xmlns:a16="http://schemas.microsoft.com/office/drawing/2014/main" xmlns="" val="4098914447"/>
+                    <a16:rowId xmlns="" xmlns:a16="http://schemas.microsoft.com/office/drawing/2014/main" val="4098914447"/>
                   </a:ext>
                 </a:extLst>
               </a:tr>
@@ -27810,7 +28448,7 @@
                 </a:tc>
                 <a:extLst>
                   <a:ext uri="{0D108BD9-81ED-4DB2-BD59-A6C34878D82A}">
-                    <a16:rowId xmlns:a16="http://schemas.microsoft.com/office/drawing/2014/main" xmlns="" val="1831185151"/>
+                    <a16:rowId xmlns="" xmlns:a16="http://schemas.microsoft.com/office/drawing/2014/main" val="1831185151"/>
                   </a:ext>
                 </a:extLst>
               </a:tr>
@@ -27908,7 +28546,7 @@
                 </a:tc>
                 <a:extLst>
                   <a:ext uri="{0D108BD9-81ED-4DB2-BD59-A6C34878D82A}">
-                    <a16:rowId xmlns:a16="http://schemas.microsoft.com/office/drawing/2014/main" xmlns="" val="3020040318"/>
+                    <a16:rowId xmlns="" xmlns:a16="http://schemas.microsoft.com/office/drawing/2014/main" val="3020040318"/>
                   </a:ext>
                 </a:extLst>
               </a:tr>
@@ -28006,7 +28644,7 @@
                 </a:tc>
                 <a:extLst>
                   <a:ext uri="{0D108BD9-81ED-4DB2-BD59-A6C34878D82A}">
-                    <a16:rowId xmlns:a16="http://schemas.microsoft.com/office/drawing/2014/main" xmlns="" val="1724748424"/>
+                    <a16:rowId xmlns="" xmlns:a16="http://schemas.microsoft.com/office/drawing/2014/main" val="1724748424"/>
                   </a:ext>
                 </a:extLst>
               </a:tr>
@@ -28146,21 +28784,21 @@
                 <a:gridCol w="1661417">
                   <a:extLst>
                     <a:ext uri="{9D8B030D-6E8A-4147-A177-3AD203B41FA5}">
-                      <a16:colId xmlns:a16="http://schemas.microsoft.com/office/drawing/2014/main" xmlns="" val="312583748"/>
+                      <a16:colId xmlns="" xmlns:a16="http://schemas.microsoft.com/office/drawing/2014/main" val="312583748"/>
                     </a:ext>
                   </a:extLst>
                 </a:gridCol>
                 <a:gridCol w="1160594">
                   <a:extLst>
                     <a:ext uri="{9D8B030D-6E8A-4147-A177-3AD203B41FA5}">
-                      <a16:colId xmlns:a16="http://schemas.microsoft.com/office/drawing/2014/main" xmlns="" val="3220018061"/>
+                      <a16:colId xmlns="" xmlns:a16="http://schemas.microsoft.com/office/drawing/2014/main" val="3220018061"/>
                     </a:ext>
                   </a:extLst>
                 </a:gridCol>
                 <a:gridCol w="1160594">
                   <a:extLst>
                     <a:ext uri="{9D8B030D-6E8A-4147-A177-3AD203B41FA5}">
-                      <a16:colId xmlns:a16="http://schemas.microsoft.com/office/drawing/2014/main" xmlns="" val="1218622454"/>
+                      <a16:colId xmlns="" xmlns:a16="http://schemas.microsoft.com/office/drawing/2014/main" val="1218622454"/>
                     </a:ext>
                   </a:extLst>
                 </a:gridCol>
@@ -28255,7 +28893,7 @@
                 </a:tc>
                 <a:extLst>
                   <a:ext uri="{0D108BD9-81ED-4DB2-BD59-A6C34878D82A}">
-                    <a16:rowId xmlns:a16="http://schemas.microsoft.com/office/drawing/2014/main" xmlns="" val="2618440337"/>
+                    <a16:rowId xmlns="" xmlns:a16="http://schemas.microsoft.com/office/drawing/2014/main" val="2618440337"/>
                   </a:ext>
                 </a:extLst>
               </a:tr>
@@ -28353,7 +28991,7 @@
                 </a:tc>
                 <a:extLst>
                   <a:ext uri="{0D108BD9-81ED-4DB2-BD59-A6C34878D82A}">
-                    <a16:rowId xmlns:a16="http://schemas.microsoft.com/office/drawing/2014/main" xmlns="" val="4098914447"/>
+                    <a16:rowId xmlns="" xmlns:a16="http://schemas.microsoft.com/office/drawing/2014/main" val="4098914447"/>
                   </a:ext>
                 </a:extLst>
               </a:tr>
@@ -28451,7 +29089,7 @@
                 </a:tc>
                 <a:extLst>
                   <a:ext uri="{0D108BD9-81ED-4DB2-BD59-A6C34878D82A}">
-                    <a16:rowId xmlns:a16="http://schemas.microsoft.com/office/drawing/2014/main" xmlns="" val="1831185151"/>
+                    <a16:rowId xmlns="" xmlns:a16="http://schemas.microsoft.com/office/drawing/2014/main" val="1831185151"/>
                   </a:ext>
                 </a:extLst>
               </a:tr>
@@ -28571,7 +29209,7 @@
                 </a:tc>
                 <a:extLst>
                   <a:ext uri="{0D108BD9-81ED-4DB2-BD59-A6C34878D82A}">
-                    <a16:rowId xmlns:a16="http://schemas.microsoft.com/office/drawing/2014/main" xmlns="" val="3020040318"/>
+                    <a16:rowId xmlns="" xmlns:a16="http://schemas.microsoft.com/office/drawing/2014/main" val="3020040318"/>
                   </a:ext>
                 </a:extLst>
               </a:tr>
@@ -28669,7 +29307,7 @@
                 </a:tc>
                 <a:extLst>
                   <a:ext uri="{0D108BD9-81ED-4DB2-BD59-A6C34878D82A}">
-                    <a16:rowId xmlns:a16="http://schemas.microsoft.com/office/drawing/2014/main" xmlns="" val="1724748424"/>
+                    <a16:rowId xmlns="" xmlns:a16="http://schemas.microsoft.com/office/drawing/2014/main" val="1724748424"/>
                   </a:ext>
                 </a:extLst>
               </a:tr>
